--- a/SQL.pptx
+++ b/SQL.pptx
@@ -121,6 +121,11 @@
       </a:defRPr>
     </a:lvl9pPr>
   </p:defaultTextStyle>
+  <p:extLst>
+    <p:ext uri="{EFAFB233-063F-42B5-8137-9DF3F51BA10A}">
+      <p15:sldGuideLst xmlns:p15="http://schemas.microsoft.com/office/powerpoint/2012/main"/>
+    </p:ext>
+  </p:extLst>
 </p:presentation>
 </file>
 
@@ -3710,9 +3715,10 @@
           <a:lstStyle/>
           <a:p>
             <a:r>
-              <a:rPr lang="en-US" dirty="0"/>
+              <a:rPr lang="en-US"/>
               <a:t>SQL – Zero To Hero</a:t>
             </a:r>
+            <a:endParaRPr lang="en-US" dirty="0"/>
           </a:p>
         </p:txBody>
       </p:sp>
@@ -3738,7 +3744,7 @@
           <a:lstStyle/>
           <a:p>
             <a:r>
-              <a:rPr lang="en-US" i="1" dirty="0">
+              <a:rPr lang="en-US" i="1">
                 <a:solidFill>
                   <a:schemeClr val="accent1">
                     <a:lumMod val="60000"/>
@@ -3751,7 +3757,7 @@
           </a:p>
           <a:p>
             <a:r>
-              <a:rPr lang="en-US" i="1" dirty="0">
+              <a:rPr lang="en-US" i="1">
                 <a:solidFill>
                   <a:schemeClr val="accent1">
                     <a:lumMod val="60000"/>
@@ -3761,6 +3767,14 @@
               </a:rPr>
               <a:t>Mahadi Hassan</a:t>
             </a:r>
+            <a:endParaRPr lang="en-US" i="1" dirty="0">
+              <a:solidFill>
+                <a:schemeClr val="accent1">
+                  <a:lumMod val="60000"/>
+                  <a:lumOff val="40000"/>
+                </a:schemeClr>
+              </a:solidFill>
+            </a:endParaRPr>
           </a:p>
         </p:txBody>
       </p:sp>
@@ -4596,9 +4610,10 @@
           <a:lstStyle/>
           <a:p>
             <a:r>
-              <a:rPr lang="en-US" dirty="0"/>
+              <a:rPr lang="en-US"/>
               <a:t>SQL – Structured Query Language</a:t>
             </a:r>
+            <a:endParaRPr lang="en-US" dirty="0"/>
           </a:p>
         </p:txBody>
       </p:sp>
@@ -4627,7 +4642,7 @@
               <a:buNone/>
             </a:pPr>
             <a:r>
-              <a:rPr lang="en-US" dirty="0"/>
+              <a:rPr lang="en-US"/>
               <a:t>What is SQL ?</a:t>
             </a:r>
           </a:p>
@@ -4636,13 +4651,14 @@
               <a:buNone/>
             </a:pPr>
             <a:r>
-              <a:rPr lang="en-US" b="1" dirty="0"/>
+              <a:rPr lang="en-US" b="1"/>
               <a:t>SQL (Structured Query Language)</a:t>
             </a:r>
             <a:r>
-              <a:rPr lang="en-US" dirty="0"/>
+              <a:rPr lang="en-US"/>
               <a:t> is a standard programming language used to manage and manipulate data in relational databases.</a:t>
             </a:r>
+            <a:endParaRPr lang="en-US" dirty="0"/>
           </a:p>
         </p:txBody>
       </p:sp>
